--- a/Figures/SensorMultiStages.pptx
+++ b/Figures/SensorMultiStages.pptx
@@ -288,7 +288,7 @@
           <a:p>
             <a:fld id="{8547BDA6-771F-8742-BC3A-0F3B70D6118F}" type="datetimeFigureOut">
               <a:rPr lang="en-US" smtClean="0"/>
-              <a:t>5/19/16</a:t>
+              <a:t>9/9/16</a:t>
             </a:fld>
             <a:endParaRPr lang="en-US"/>
           </a:p>
@@ -458,7 +458,7 @@
           <a:p>
             <a:fld id="{8547BDA6-771F-8742-BC3A-0F3B70D6118F}" type="datetimeFigureOut">
               <a:rPr lang="en-US" smtClean="0"/>
-              <a:t>5/19/16</a:t>
+              <a:t>9/9/16</a:t>
             </a:fld>
             <a:endParaRPr lang="en-US"/>
           </a:p>
@@ -638,7 +638,7 @@
           <a:p>
             <a:fld id="{8547BDA6-771F-8742-BC3A-0F3B70D6118F}" type="datetimeFigureOut">
               <a:rPr lang="en-US" smtClean="0"/>
-              <a:t>5/19/16</a:t>
+              <a:t>9/9/16</a:t>
             </a:fld>
             <a:endParaRPr lang="en-US"/>
           </a:p>
@@ -808,7 +808,7 @@
           <a:p>
             <a:fld id="{8547BDA6-771F-8742-BC3A-0F3B70D6118F}" type="datetimeFigureOut">
               <a:rPr lang="en-US" smtClean="0"/>
-              <a:t>5/19/16</a:t>
+              <a:t>9/9/16</a:t>
             </a:fld>
             <a:endParaRPr lang="en-US"/>
           </a:p>
@@ -1054,7 +1054,7 @@
           <a:p>
             <a:fld id="{8547BDA6-771F-8742-BC3A-0F3B70D6118F}" type="datetimeFigureOut">
               <a:rPr lang="en-US" smtClean="0"/>
-              <a:t>5/19/16</a:t>
+              <a:t>9/9/16</a:t>
             </a:fld>
             <a:endParaRPr lang="en-US"/>
           </a:p>
@@ -1342,7 +1342,7 @@
           <a:p>
             <a:fld id="{8547BDA6-771F-8742-BC3A-0F3B70D6118F}" type="datetimeFigureOut">
               <a:rPr lang="en-US" smtClean="0"/>
-              <a:t>5/19/16</a:t>
+              <a:t>9/9/16</a:t>
             </a:fld>
             <a:endParaRPr lang="en-US"/>
           </a:p>
@@ -1764,7 +1764,7 @@
           <a:p>
             <a:fld id="{8547BDA6-771F-8742-BC3A-0F3B70D6118F}" type="datetimeFigureOut">
               <a:rPr lang="en-US" smtClean="0"/>
-              <a:t>5/19/16</a:t>
+              <a:t>9/9/16</a:t>
             </a:fld>
             <a:endParaRPr lang="en-US"/>
           </a:p>
@@ -1882,7 +1882,7 @@
           <a:p>
             <a:fld id="{8547BDA6-771F-8742-BC3A-0F3B70D6118F}" type="datetimeFigureOut">
               <a:rPr lang="en-US" smtClean="0"/>
-              <a:t>5/19/16</a:t>
+              <a:t>9/9/16</a:t>
             </a:fld>
             <a:endParaRPr lang="en-US"/>
           </a:p>
@@ -1977,7 +1977,7 @@
           <a:p>
             <a:fld id="{8547BDA6-771F-8742-BC3A-0F3B70D6118F}" type="datetimeFigureOut">
               <a:rPr lang="en-US" smtClean="0"/>
-              <a:t>5/19/16</a:t>
+              <a:t>9/9/16</a:t>
             </a:fld>
             <a:endParaRPr lang="en-US"/>
           </a:p>
@@ -2254,7 +2254,7 @@
           <a:p>
             <a:fld id="{8547BDA6-771F-8742-BC3A-0F3B70D6118F}" type="datetimeFigureOut">
               <a:rPr lang="en-US" smtClean="0"/>
-              <a:t>5/19/16</a:t>
+              <a:t>9/9/16</a:t>
             </a:fld>
             <a:endParaRPr lang="en-US"/>
           </a:p>
@@ -2507,7 +2507,7 @@
           <a:p>
             <a:fld id="{8547BDA6-771F-8742-BC3A-0F3B70D6118F}" type="datetimeFigureOut">
               <a:rPr lang="en-US" smtClean="0"/>
-              <a:t>5/19/16</a:t>
+              <a:t>9/9/16</a:t>
             </a:fld>
             <a:endParaRPr lang="en-US"/>
           </a:p>
@@ -2720,7 +2720,7 @@
           <a:p>
             <a:fld id="{8547BDA6-771F-8742-BC3A-0F3B70D6118F}" type="datetimeFigureOut">
               <a:rPr lang="en-US" smtClean="0"/>
-              <a:t>5/19/16</a:t>
+              <a:t>9/9/16</a:t>
             </a:fld>
             <a:endParaRPr lang="en-US"/>
           </a:p>
@@ -3095,171 +3095,6 @@
           <a:chExt cx="0" cy="0"/>
         </a:xfrm>
       </p:grpSpPr>
-      <p:sp>
-        <p:nvSpPr>
-          <p:cNvPr id="5" name="TextBox 4"/>
-          <p:cNvSpPr txBox="1"/>
-          <p:nvPr/>
-        </p:nvSpPr>
-        <p:spPr>
-          <a:xfrm>
-            <a:off x="1596968" y="1054156"/>
-            <a:ext cx="1339998" cy="276999"/>
-          </a:xfrm>
-          <a:prstGeom prst="rect">
-            <a:avLst/>
-          </a:prstGeom>
-          <a:noFill/>
-          <a:ln>
-            <a:solidFill>
-              <a:schemeClr val="tx1"/>
-            </a:solidFill>
-          </a:ln>
-        </p:spPr>
-        <p:txBody>
-          <a:bodyPr wrap="square" rtlCol="0">
-            <a:spAutoFit/>
-          </a:bodyPr>
-          <a:lstStyle/>
-          <a:p>
-            <a:pPr algn="ctr"/>
-            <a:r>
-              <a:rPr lang="en-US" sz="1200" dirty="0" smtClean="0">
-                <a:latin typeface="Arial"/>
-                <a:cs typeface="Arial"/>
-              </a:rPr>
-              <a:t>Sensor </a:t>
-            </a:r>
-            <a:r>
-              <a:rPr lang="en-US" sz="1200" dirty="0" smtClean="0">
-                <a:latin typeface="Arial"/>
-                <a:cs typeface="Arial"/>
-              </a:rPr>
-              <a:t>1</a:t>
-            </a:r>
-            <a:endParaRPr lang="en-US" sz="1200" dirty="0" smtClean="0">
-              <a:latin typeface="Arial"/>
-              <a:cs typeface="Arial"/>
-            </a:endParaRPr>
-          </a:p>
-        </p:txBody>
-      </p:sp>
-      <p:cxnSp>
-        <p:nvCxnSpPr>
-          <p:cNvPr id="9" name="Straight Connector 8"/>
-          <p:cNvCxnSpPr/>
-          <p:nvPr/>
-        </p:nvCxnSpPr>
-        <p:spPr>
-          <a:xfrm flipH="1">
-            <a:off x="2266967" y="2436012"/>
-            <a:ext cx="14247" cy="459040"/>
-          </a:xfrm>
-          <a:prstGeom prst="line">
-            <a:avLst/>
-          </a:prstGeom>
-          <a:ln>
-            <a:solidFill>
-              <a:srgbClr val="000000"/>
-            </a:solidFill>
-            <a:prstDash val="dash"/>
-            <a:headEnd type="none"/>
-            <a:tailEnd type="triangle"/>
-          </a:ln>
-        </p:spPr>
-        <p:style>
-          <a:lnRef idx="2">
-            <a:schemeClr val="accent1"/>
-          </a:lnRef>
-          <a:fillRef idx="0">
-            <a:schemeClr val="accent1"/>
-          </a:fillRef>
-          <a:effectRef idx="1">
-            <a:schemeClr val="accent1"/>
-          </a:effectRef>
-          <a:fontRef idx="minor">
-            <a:schemeClr val="tx1"/>
-          </a:fontRef>
-        </p:style>
-      </p:cxnSp>
-      <p:cxnSp>
-        <p:nvCxnSpPr>
-          <p:cNvPr id="12" name="Straight Connector 11"/>
-          <p:cNvCxnSpPr>
-            <a:endCxn id="5" idx="1"/>
-          </p:cNvCxnSpPr>
-          <p:nvPr/>
-        </p:nvCxnSpPr>
-        <p:spPr>
-          <a:xfrm>
-            <a:off x="1224680" y="1192655"/>
-            <a:ext cx="372288" cy="1"/>
-          </a:xfrm>
-          <a:prstGeom prst="line">
-            <a:avLst/>
-          </a:prstGeom>
-          <a:ln w="19050" cmpd="sng">
-            <a:solidFill>
-              <a:srgbClr val="000000"/>
-            </a:solidFill>
-            <a:headEnd type="none"/>
-            <a:tailEnd type="triangle"/>
-          </a:ln>
-        </p:spPr>
-        <p:style>
-          <a:lnRef idx="2">
-            <a:schemeClr val="accent1"/>
-          </a:lnRef>
-          <a:fillRef idx="0">
-            <a:schemeClr val="accent1"/>
-          </a:fillRef>
-          <a:effectRef idx="1">
-            <a:schemeClr val="accent1"/>
-          </a:effectRef>
-          <a:fontRef idx="minor">
-            <a:schemeClr val="tx1"/>
-          </a:fontRef>
-        </p:style>
-      </p:cxnSp>
-      <p:cxnSp>
-        <p:nvCxnSpPr>
-          <p:cNvPr id="44" name="Straight Arrow Connector 43"/>
-          <p:cNvCxnSpPr>
-            <a:stCxn id="5" idx="3"/>
-          </p:cNvCxnSpPr>
-          <p:nvPr/>
-        </p:nvCxnSpPr>
-        <p:spPr>
-          <a:xfrm flipV="1">
-            <a:off x="2936966" y="1192655"/>
-            <a:ext cx="273721" cy="1"/>
-          </a:xfrm>
-          <a:prstGeom prst="straightConnector1">
-            <a:avLst/>
-          </a:prstGeom>
-          <a:ln>
-            <a:solidFill>
-              <a:srgbClr val="000000"/>
-            </a:solidFill>
-            <a:headEnd type="none"/>
-            <a:tailEnd type="triangle"/>
-          </a:ln>
-        </p:spPr>
-        <p:style>
-          <a:lnRef idx="2">
-            <a:schemeClr val="accent1"/>
-          </a:lnRef>
-          <a:fillRef idx="0">
-            <a:schemeClr val="accent1"/>
-          </a:fillRef>
-          <a:effectRef idx="1">
-            <a:schemeClr val="accent1"/>
-          </a:effectRef>
-          <a:fontRef idx="minor">
-            <a:schemeClr val="tx1"/>
-          </a:fontRef>
-        </p:style>
-      </p:cxnSp>
       <p:sp>
         <p:nvSpPr>
           <p:cNvPr id="55" name="Oval 54"/>
@@ -3848,267 +3683,9 @@
           </a:fontRef>
         </p:style>
       </p:cxnSp>
-      <p:sp>
-        <p:nvSpPr>
-          <p:cNvPr id="43" name="TextBox 42"/>
-          <p:cNvSpPr txBox="1"/>
-          <p:nvPr/>
-        </p:nvSpPr>
-        <p:spPr>
-          <a:xfrm>
-            <a:off x="1596968" y="1605875"/>
-            <a:ext cx="1339998" cy="276999"/>
-          </a:xfrm>
-          <a:prstGeom prst="rect">
-            <a:avLst/>
-          </a:prstGeom>
-          <a:noFill/>
-          <a:ln>
-            <a:solidFill>
-              <a:schemeClr val="tx1"/>
-            </a:solidFill>
-          </a:ln>
-        </p:spPr>
-        <p:txBody>
-          <a:bodyPr wrap="square" rtlCol="0">
-            <a:spAutoFit/>
-          </a:bodyPr>
-          <a:lstStyle/>
-          <a:p>
-            <a:pPr algn="ctr"/>
-            <a:r>
-              <a:rPr lang="en-US" sz="1200" dirty="0" smtClean="0">
-                <a:latin typeface="Arial"/>
-                <a:cs typeface="Arial"/>
-              </a:rPr>
-              <a:t>Sensor </a:t>
-            </a:r>
-            <a:r>
-              <a:rPr lang="en-US" sz="1200" dirty="0">
-                <a:latin typeface="Arial"/>
-                <a:cs typeface="Arial"/>
-              </a:rPr>
-              <a:t>2</a:t>
-            </a:r>
-            <a:endParaRPr lang="en-US" sz="1200" dirty="0" smtClean="0">
-              <a:latin typeface="Arial"/>
-              <a:cs typeface="Arial"/>
-            </a:endParaRPr>
-          </a:p>
-        </p:txBody>
-      </p:sp>
-      <p:sp>
-        <p:nvSpPr>
-          <p:cNvPr id="47" name="TextBox 46"/>
-          <p:cNvSpPr txBox="1"/>
-          <p:nvPr/>
-        </p:nvSpPr>
-        <p:spPr>
-          <a:xfrm>
-            <a:off x="1601948" y="2117243"/>
-            <a:ext cx="1339998" cy="276999"/>
-          </a:xfrm>
-          <a:prstGeom prst="rect">
-            <a:avLst/>
-          </a:prstGeom>
-          <a:noFill/>
-          <a:ln>
-            <a:solidFill>
-              <a:schemeClr val="tx1"/>
-            </a:solidFill>
-          </a:ln>
-        </p:spPr>
-        <p:txBody>
-          <a:bodyPr wrap="square" rtlCol="0">
-            <a:spAutoFit/>
-          </a:bodyPr>
-          <a:lstStyle/>
-          <a:p>
-            <a:pPr algn="ctr"/>
-            <a:r>
-              <a:rPr lang="en-US" sz="1200" dirty="0" smtClean="0">
-                <a:latin typeface="Arial"/>
-                <a:cs typeface="Arial"/>
-              </a:rPr>
-              <a:t>Sensor </a:t>
-            </a:r>
-            <a:r>
-              <a:rPr lang="en-US" sz="1200" dirty="0">
-                <a:latin typeface="Arial"/>
-                <a:cs typeface="Arial"/>
-              </a:rPr>
-              <a:t>3</a:t>
-            </a:r>
-            <a:endParaRPr lang="en-US" sz="1200" dirty="0" smtClean="0">
-              <a:latin typeface="Arial"/>
-              <a:cs typeface="Arial"/>
-            </a:endParaRPr>
-          </a:p>
-        </p:txBody>
-      </p:sp>
-      <p:sp>
-        <p:nvSpPr>
-          <p:cNvPr id="48" name="TextBox 47"/>
-          <p:cNvSpPr txBox="1"/>
-          <p:nvPr/>
-        </p:nvSpPr>
-        <p:spPr>
-          <a:xfrm>
-            <a:off x="1608308" y="2895052"/>
-            <a:ext cx="1339998" cy="276999"/>
-          </a:xfrm>
-          <a:prstGeom prst="rect">
-            <a:avLst/>
-          </a:prstGeom>
-          <a:noFill/>
-          <a:ln>
-            <a:solidFill>
-              <a:schemeClr val="tx1"/>
-            </a:solidFill>
-          </a:ln>
-        </p:spPr>
-        <p:txBody>
-          <a:bodyPr wrap="square" rtlCol="0">
-            <a:spAutoFit/>
-          </a:bodyPr>
-          <a:lstStyle/>
-          <a:p>
-            <a:pPr algn="ctr"/>
-            <a:r>
-              <a:rPr lang="en-US" sz="1200" dirty="0" smtClean="0">
-                <a:latin typeface="Arial"/>
-                <a:cs typeface="Arial"/>
-              </a:rPr>
-              <a:t>Sensor </a:t>
-            </a:r>
-            <a:r>
-              <a:rPr lang="en-US" sz="1200" dirty="0">
-                <a:latin typeface="Arial"/>
-                <a:cs typeface="Arial"/>
-              </a:rPr>
-              <a:t>K</a:t>
-            </a:r>
-            <a:endParaRPr lang="en-US" sz="1200" dirty="0" smtClean="0">
-              <a:latin typeface="Arial"/>
-              <a:cs typeface="Arial"/>
-            </a:endParaRPr>
-          </a:p>
-        </p:txBody>
-      </p:sp>
-      <p:cxnSp>
-        <p:nvCxnSpPr>
-          <p:cNvPr id="50" name="Straight Arrow Connector 49"/>
-          <p:cNvCxnSpPr/>
-          <p:nvPr/>
-        </p:nvCxnSpPr>
-        <p:spPr>
-          <a:xfrm flipV="1">
-            <a:off x="2932177" y="1741963"/>
-            <a:ext cx="273721" cy="1"/>
-          </a:xfrm>
-          <a:prstGeom prst="straightConnector1">
-            <a:avLst/>
-          </a:prstGeom>
-          <a:ln>
-            <a:solidFill>
-              <a:srgbClr val="000000"/>
-            </a:solidFill>
-            <a:headEnd type="none"/>
-            <a:tailEnd type="triangle"/>
-          </a:ln>
-        </p:spPr>
-        <p:style>
-          <a:lnRef idx="2">
-            <a:schemeClr val="accent1"/>
-          </a:lnRef>
-          <a:fillRef idx="0">
-            <a:schemeClr val="accent1"/>
-          </a:fillRef>
-          <a:effectRef idx="1">
-            <a:schemeClr val="accent1"/>
-          </a:effectRef>
-          <a:fontRef idx="minor">
-            <a:schemeClr val="tx1"/>
-          </a:fontRef>
-        </p:style>
-      </p:cxnSp>
-      <p:cxnSp>
-        <p:nvCxnSpPr>
-          <p:cNvPr id="52" name="Straight Arrow Connector 51"/>
-          <p:cNvCxnSpPr/>
-          <p:nvPr/>
-        </p:nvCxnSpPr>
-        <p:spPr>
-          <a:xfrm flipV="1">
-            <a:off x="2943517" y="2230567"/>
-            <a:ext cx="273721" cy="1"/>
-          </a:xfrm>
-          <a:prstGeom prst="straightConnector1">
-            <a:avLst/>
-          </a:prstGeom>
-          <a:ln>
-            <a:solidFill>
-              <a:srgbClr val="000000"/>
-            </a:solidFill>
-            <a:headEnd type="none"/>
-            <a:tailEnd type="triangle"/>
-          </a:ln>
-        </p:spPr>
-        <p:style>
-          <a:lnRef idx="2">
-            <a:schemeClr val="accent1"/>
-          </a:lnRef>
-          <a:fillRef idx="0">
-            <a:schemeClr val="accent1"/>
-          </a:fillRef>
-          <a:effectRef idx="1">
-            <a:schemeClr val="accent1"/>
-          </a:effectRef>
-          <a:fontRef idx="minor">
-            <a:schemeClr val="tx1"/>
-          </a:fontRef>
-        </p:style>
-      </p:cxnSp>
-      <p:cxnSp>
-        <p:nvCxnSpPr>
-          <p:cNvPr id="53" name="Straight Arrow Connector 52"/>
-          <p:cNvCxnSpPr/>
-          <p:nvPr/>
-        </p:nvCxnSpPr>
-        <p:spPr>
-          <a:xfrm flipV="1">
-            <a:off x="2940299" y="3046089"/>
-            <a:ext cx="273721" cy="1"/>
-          </a:xfrm>
-          <a:prstGeom prst="straightConnector1">
-            <a:avLst/>
-          </a:prstGeom>
-          <a:ln>
-            <a:solidFill>
-              <a:srgbClr val="000000"/>
-            </a:solidFill>
-            <a:headEnd type="none"/>
-            <a:tailEnd type="triangle"/>
-          </a:ln>
-        </p:spPr>
-        <p:style>
-          <a:lnRef idx="2">
-            <a:schemeClr val="accent1"/>
-          </a:lnRef>
-          <a:fillRef idx="0">
-            <a:schemeClr val="accent1"/>
-          </a:fillRef>
-          <a:effectRef idx="1">
-            <a:schemeClr val="accent1"/>
-          </a:effectRef>
-          <a:fontRef idx="minor">
-            <a:schemeClr val="tx1"/>
-          </a:fontRef>
-        </p:style>
-      </p:cxnSp>
       <p:pic>
         <p:nvPicPr>
-          <p:cNvPr id="23" name="Picture 22" descr="latex-image-1.pdf"/>
+          <p:cNvPr id="67" name="Picture 66" descr="latex-image-1.pdf"/>
           <p:cNvPicPr>
             <a:picLocks noChangeAspect="1"/>
           </p:cNvPicPr>
@@ -4128,8 +3705,8 @@
         </p:blipFill>
         <p:spPr>
           <a:xfrm>
-            <a:off x="2404008" y="2761576"/>
-            <a:ext cx="317500" cy="101600"/>
+            <a:off x="4310407" y="3348527"/>
+            <a:ext cx="139700" cy="139700"/>
           </a:xfrm>
           <a:prstGeom prst="rect">
             <a:avLst/>
@@ -4138,14 +3715,14 @@
       </p:pic>
       <p:pic>
         <p:nvPicPr>
-          <p:cNvPr id="24" name="Picture 23" descr="latex-image-1.pdf"/>
+          <p:cNvPr id="69" name="Picture 68" descr="latex-image-1.pdf"/>
           <p:cNvPicPr>
             <a:picLocks noChangeAspect="1"/>
           </p:cNvPicPr>
           <p:nvPr/>
         </p:nvPicPr>
         <p:blipFill>
-          <a:blip r:embed="rId3">
+          <a:blip r:embed="rId2">
             <a:extLst>
               <a:ext uri="{28A0092B-C50C-407E-A947-70E740481C1C}">
                 <a14:useLocalDpi xmlns:a14="http://schemas.microsoft.com/office/drawing/2010/main" val="0"/>
@@ -4158,8 +3735,8 @@
         </p:blipFill>
         <p:spPr>
           <a:xfrm>
-            <a:off x="2340500" y="1967760"/>
-            <a:ext cx="127000" cy="101600"/>
+            <a:off x="4714197" y="4060332"/>
+            <a:ext cx="139700" cy="139700"/>
           </a:xfrm>
           <a:prstGeom prst="rect">
             <a:avLst/>
@@ -4168,14 +3745,14 @@
       </p:pic>
       <p:pic>
         <p:nvPicPr>
-          <p:cNvPr id="25" name="Picture 24" descr="latex-image-1.pdf"/>
+          <p:cNvPr id="71" name="Picture 70" descr="latex-image-1.pdf"/>
           <p:cNvPicPr>
             <a:picLocks noChangeAspect="1"/>
           </p:cNvPicPr>
           <p:nvPr/>
         </p:nvPicPr>
         <p:blipFill>
-          <a:blip r:embed="rId4">
+          <a:blip r:embed="rId2">
             <a:extLst>
               <a:ext uri="{28A0092B-C50C-407E-A947-70E740481C1C}">
                 <a14:useLocalDpi xmlns:a14="http://schemas.microsoft.com/office/drawing/2010/main" val="0"/>
@@ -4188,116 +3765,7 @@
         </p:blipFill>
         <p:spPr>
           <a:xfrm>
-            <a:off x="2363182" y="1457449"/>
-            <a:ext cx="127000" cy="101600"/>
-          </a:xfrm>
-          <a:prstGeom prst="rect">
-            <a:avLst/>
-          </a:prstGeom>
-        </p:spPr>
-      </p:pic>
-      <p:cxnSp>
-        <p:nvCxnSpPr>
-          <p:cNvPr id="27" name="Straight Arrow Connector 26"/>
-          <p:cNvCxnSpPr>
-            <a:stCxn id="5" idx="2"/>
-            <a:endCxn id="43" idx="0"/>
-          </p:cNvCxnSpPr>
-          <p:nvPr/>
-        </p:nvCxnSpPr>
-        <p:spPr>
-          <a:xfrm>
-            <a:off x="2266967" y="1331155"/>
-            <a:ext cx="0" cy="274720"/>
-          </a:xfrm>
-          <a:prstGeom prst="straightConnector1">
-            <a:avLst/>
-          </a:prstGeom>
-          <a:ln>
-            <a:solidFill>
-              <a:schemeClr val="tx1"/>
-            </a:solidFill>
-            <a:headEnd type="none"/>
-            <a:tailEnd type="triangle"/>
-          </a:ln>
-        </p:spPr>
-        <p:style>
-          <a:lnRef idx="2">
-            <a:schemeClr val="accent1"/>
-          </a:lnRef>
-          <a:fillRef idx="0">
-            <a:schemeClr val="accent1"/>
-          </a:fillRef>
-          <a:effectRef idx="1">
-            <a:schemeClr val="accent1"/>
-          </a:effectRef>
-          <a:fontRef idx="minor">
-            <a:schemeClr val="tx1"/>
-          </a:fontRef>
-        </p:style>
-      </p:cxnSp>
-      <p:cxnSp>
-        <p:nvCxnSpPr>
-          <p:cNvPr id="65" name="Straight Arrow Connector 64"/>
-          <p:cNvCxnSpPr>
-            <a:stCxn id="43" idx="2"/>
-          </p:cNvCxnSpPr>
-          <p:nvPr/>
-        </p:nvCxnSpPr>
-        <p:spPr>
-          <a:xfrm>
-            <a:off x="2266967" y="1882874"/>
-            <a:ext cx="0" cy="234369"/>
-          </a:xfrm>
-          <a:prstGeom prst="straightConnector1">
-            <a:avLst/>
-          </a:prstGeom>
-          <a:ln>
-            <a:solidFill>
-              <a:schemeClr val="tx1"/>
-            </a:solidFill>
-            <a:headEnd type="none"/>
-            <a:tailEnd type="triangle"/>
-          </a:ln>
-        </p:spPr>
-        <p:style>
-          <a:lnRef idx="2">
-            <a:schemeClr val="accent1"/>
-          </a:lnRef>
-          <a:fillRef idx="0">
-            <a:schemeClr val="accent1"/>
-          </a:fillRef>
-          <a:effectRef idx="1">
-            <a:schemeClr val="accent1"/>
-          </a:effectRef>
-          <a:fontRef idx="minor">
-            <a:schemeClr val="tx1"/>
-          </a:fontRef>
-        </p:style>
-      </p:cxnSp>
-      <p:pic>
-        <p:nvPicPr>
-          <p:cNvPr id="30" name="Picture 29" descr="latex-image-1.pdf"/>
-          <p:cNvPicPr>
-            <a:picLocks noChangeAspect="1"/>
-          </p:cNvPicPr>
-          <p:nvPr/>
-        </p:nvPicPr>
-        <p:blipFill>
-          <a:blip r:embed="rId5">
-            <a:extLst>
-              <a:ext uri="{28A0092B-C50C-407E-A947-70E740481C1C}">
-                <a14:useLocalDpi xmlns:a14="http://schemas.microsoft.com/office/drawing/2010/main" val="0"/>
-              </a:ext>
-            </a:extLst>
-          </a:blip>
-          <a:stretch>
-            <a:fillRect/>
-          </a:stretch>
-        </p:blipFill>
-        <p:spPr>
-          <a:xfrm>
-            <a:off x="1290906" y="1007471"/>
+            <a:off x="1929525" y="3611283"/>
             <a:ext cx="139700" cy="139700"/>
           </a:xfrm>
           <a:prstGeom prst="rect">
@@ -4305,327 +3773,935 @@
           </a:prstGeom>
         </p:spPr>
       </p:pic>
-      <p:cxnSp>
-        <p:nvCxnSpPr>
-          <p:cNvPr id="66" name="Straight Connector 65"/>
-          <p:cNvCxnSpPr/>
+      <p:grpSp>
+        <p:nvGrpSpPr>
+          <p:cNvPr id="10" name="Group 9"/>
+          <p:cNvGrpSpPr/>
           <p:nvPr/>
-        </p:nvCxnSpPr>
-        <p:spPr>
+        </p:nvGrpSpPr>
+        <p:grpSpPr>
           <a:xfrm>
-            <a:off x="1229660" y="1730615"/>
-            <a:ext cx="372288" cy="1"/>
+            <a:off x="769283" y="779436"/>
+            <a:ext cx="2696560" cy="2392615"/>
+            <a:chOff x="769283" y="779436"/>
+            <a:chExt cx="2696560" cy="2392615"/>
           </a:xfrm>
-          <a:prstGeom prst="line">
-            <a:avLst/>
-          </a:prstGeom>
-          <a:ln w="19050" cmpd="sng">
-            <a:solidFill>
-              <a:srgbClr val="000000"/>
-            </a:solidFill>
-            <a:headEnd type="none"/>
-            <a:tailEnd type="triangle"/>
-          </a:ln>
-        </p:spPr>
-        <p:style>
-          <a:lnRef idx="2">
-            <a:schemeClr val="accent1"/>
-          </a:lnRef>
-          <a:fillRef idx="0">
-            <a:schemeClr val="accent1"/>
-          </a:fillRef>
-          <a:effectRef idx="1">
-            <a:schemeClr val="accent1"/>
-          </a:effectRef>
-          <a:fontRef idx="minor">
-            <a:schemeClr val="tx1"/>
-          </a:fontRef>
-        </p:style>
-      </p:cxnSp>
-      <p:pic>
-        <p:nvPicPr>
-          <p:cNvPr id="67" name="Picture 66" descr="latex-image-1.pdf"/>
-          <p:cNvPicPr>
-            <a:picLocks noChangeAspect="1"/>
-          </p:cNvPicPr>
-          <p:nvPr/>
-        </p:nvPicPr>
-        <p:blipFill>
-          <a:blip r:embed="rId5">
-            <a:extLst>
-              <a:ext uri="{28A0092B-C50C-407E-A947-70E740481C1C}">
-                <a14:useLocalDpi xmlns:a14="http://schemas.microsoft.com/office/drawing/2010/main" val="0"/>
-              </a:ext>
-            </a:extLst>
-          </a:blip>
-          <a:stretch>
-            <a:fillRect/>
-          </a:stretch>
-        </p:blipFill>
-        <p:spPr>
-          <a:xfrm>
-            <a:off x="1295886" y="1545431"/>
-            <a:ext cx="139700" cy="139700"/>
-          </a:xfrm>
-          <a:prstGeom prst="rect">
-            <a:avLst/>
-          </a:prstGeom>
-        </p:spPr>
-      </p:pic>
-      <p:cxnSp>
-        <p:nvCxnSpPr>
-          <p:cNvPr id="68" name="Straight Connector 67"/>
-          <p:cNvCxnSpPr/>
-          <p:nvPr/>
-        </p:nvCxnSpPr>
-        <p:spPr>
-          <a:xfrm>
-            <a:off x="1234640" y="2223215"/>
-            <a:ext cx="372288" cy="1"/>
-          </a:xfrm>
-          <a:prstGeom prst="line">
-            <a:avLst/>
-          </a:prstGeom>
-          <a:ln w="19050" cmpd="sng">
-            <a:solidFill>
-              <a:srgbClr val="000000"/>
-            </a:solidFill>
-            <a:headEnd type="none"/>
-            <a:tailEnd type="triangle"/>
-          </a:ln>
-        </p:spPr>
-        <p:style>
-          <a:lnRef idx="2">
-            <a:schemeClr val="accent1"/>
-          </a:lnRef>
-          <a:fillRef idx="0">
-            <a:schemeClr val="accent1"/>
-          </a:fillRef>
-          <a:effectRef idx="1">
-            <a:schemeClr val="accent1"/>
-          </a:effectRef>
-          <a:fontRef idx="minor">
-            <a:schemeClr val="tx1"/>
-          </a:fontRef>
-        </p:style>
-      </p:cxnSp>
-      <p:pic>
-        <p:nvPicPr>
-          <p:cNvPr id="69" name="Picture 68" descr="latex-image-1.pdf"/>
-          <p:cNvPicPr>
-            <a:picLocks noChangeAspect="1"/>
-          </p:cNvPicPr>
-          <p:nvPr/>
-        </p:nvPicPr>
-        <p:blipFill>
-          <a:blip r:embed="rId5">
-            <a:extLst>
-              <a:ext uri="{28A0092B-C50C-407E-A947-70E740481C1C}">
-                <a14:useLocalDpi xmlns:a14="http://schemas.microsoft.com/office/drawing/2010/main" val="0"/>
-              </a:ext>
-            </a:extLst>
-          </a:blip>
-          <a:stretch>
-            <a:fillRect/>
-          </a:stretch>
-        </p:blipFill>
-        <p:spPr>
-          <a:xfrm>
-            <a:off x="1300866" y="2038031"/>
-            <a:ext cx="139700" cy="139700"/>
-          </a:xfrm>
-          <a:prstGeom prst="rect">
-            <a:avLst/>
-          </a:prstGeom>
-        </p:spPr>
-      </p:pic>
-      <p:cxnSp>
-        <p:nvCxnSpPr>
-          <p:cNvPr id="70" name="Straight Connector 69"/>
-          <p:cNvCxnSpPr/>
-          <p:nvPr/>
-        </p:nvCxnSpPr>
-        <p:spPr>
-          <a:xfrm>
-            <a:off x="1228280" y="2999315"/>
-            <a:ext cx="372288" cy="1"/>
-          </a:xfrm>
-          <a:prstGeom prst="line">
-            <a:avLst/>
-          </a:prstGeom>
-          <a:ln w="19050" cmpd="sng">
-            <a:solidFill>
-              <a:srgbClr val="000000"/>
-            </a:solidFill>
-            <a:headEnd type="none"/>
-            <a:tailEnd type="triangle"/>
-          </a:ln>
-        </p:spPr>
-        <p:style>
-          <a:lnRef idx="2">
-            <a:schemeClr val="accent1"/>
-          </a:lnRef>
-          <a:fillRef idx="0">
-            <a:schemeClr val="accent1"/>
-          </a:fillRef>
-          <a:effectRef idx="1">
-            <a:schemeClr val="accent1"/>
-          </a:effectRef>
-          <a:fontRef idx="minor">
-            <a:schemeClr val="tx1"/>
-          </a:fontRef>
-        </p:style>
-      </p:cxnSp>
-      <p:pic>
-        <p:nvPicPr>
-          <p:cNvPr id="71" name="Picture 70" descr="latex-image-1.pdf"/>
-          <p:cNvPicPr>
-            <a:picLocks noChangeAspect="1"/>
-          </p:cNvPicPr>
-          <p:nvPr/>
-        </p:nvPicPr>
-        <p:blipFill>
-          <a:blip r:embed="rId5">
-            <a:extLst>
-              <a:ext uri="{28A0092B-C50C-407E-A947-70E740481C1C}">
-                <a14:useLocalDpi xmlns:a14="http://schemas.microsoft.com/office/drawing/2010/main" val="0"/>
-              </a:ext>
-            </a:extLst>
-          </a:blip>
-          <a:stretch>
-            <a:fillRect/>
-          </a:stretch>
-        </p:blipFill>
-        <p:spPr>
-          <a:xfrm>
-            <a:off x="1294506" y="2814131"/>
-            <a:ext cx="139700" cy="139700"/>
-          </a:xfrm>
-          <a:prstGeom prst="rect">
-            <a:avLst/>
-          </a:prstGeom>
-        </p:spPr>
-      </p:pic>
-      <p:pic>
-        <p:nvPicPr>
-          <p:cNvPr id="31" name="Picture 30" descr="latex-image-1.pdf"/>
-          <p:cNvPicPr>
-            <a:picLocks noChangeAspect="1"/>
-          </p:cNvPicPr>
-          <p:nvPr/>
-        </p:nvPicPr>
-        <p:blipFill>
-          <a:blip r:embed="rId6">
-            <a:extLst>
-              <a:ext uri="{28A0092B-C50C-407E-A947-70E740481C1C}">
-                <a14:useLocalDpi xmlns:a14="http://schemas.microsoft.com/office/drawing/2010/main" val="0"/>
-              </a:ext>
-            </a:extLst>
-          </a:blip>
-          <a:stretch>
-            <a:fillRect/>
-          </a:stretch>
-        </p:blipFill>
-        <p:spPr>
-          <a:xfrm>
-            <a:off x="3246314" y="1084133"/>
-            <a:ext cx="152400" cy="190500"/>
-          </a:xfrm>
-          <a:prstGeom prst="rect">
-            <a:avLst/>
-          </a:prstGeom>
-        </p:spPr>
-      </p:pic>
-      <p:pic>
-        <p:nvPicPr>
-          <p:cNvPr id="33" name="Picture 32" descr="latex-image-1.pdf"/>
-          <p:cNvPicPr>
-            <a:picLocks noChangeAspect="1"/>
-          </p:cNvPicPr>
-          <p:nvPr/>
-        </p:nvPicPr>
-        <p:blipFill>
-          <a:blip r:embed="rId7">
-            <a:extLst>
-              <a:ext uri="{28A0092B-C50C-407E-A947-70E740481C1C}">
-                <a14:useLocalDpi xmlns:a14="http://schemas.microsoft.com/office/drawing/2010/main" val="0"/>
-              </a:ext>
-            </a:extLst>
-          </a:blip>
-          <a:stretch>
-            <a:fillRect/>
-          </a:stretch>
-        </p:blipFill>
-        <p:spPr>
-          <a:xfrm>
-            <a:off x="3249943" y="1639804"/>
-            <a:ext cx="190500" cy="190500"/>
-          </a:xfrm>
-          <a:prstGeom prst="rect">
-            <a:avLst/>
-          </a:prstGeom>
-        </p:spPr>
-      </p:pic>
-      <p:pic>
-        <p:nvPicPr>
-          <p:cNvPr id="34" name="Picture 33" descr="latex-image-1.pdf"/>
-          <p:cNvPicPr>
-            <a:picLocks noChangeAspect="1"/>
-          </p:cNvPicPr>
-          <p:nvPr/>
-        </p:nvPicPr>
-        <p:blipFill>
-          <a:blip r:embed="rId8">
-            <a:extLst>
-              <a:ext uri="{28A0092B-C50C-407E-A947-70E740481C1C}">
-                <a14:useLocalDpi xmlns:a14="http://schemas.microsoft.com/office/drawing/2010/main" val="0"/>
-              </a:ext>
-            </a:extLst>
-          </a:blip>
-          <a:stretch>
-            <a:fillRect/>
-          </a:stretch>
-        </p:blipFill>
-        <p:spPr>
-          <a:xfrm>
-            <a:off x="3238603" y="2127434"/>
-            <a:ext cx="190500" cy="190500"/>
-          </a:xfrm>
-          <a:prstGeom prst="rect">
-            <a:avLst/>
-          </a:prstGeom>
-        </p:spPr>
-      </p:pic>
-      <p:pic>
-        <p:nvPicPr>
-          <p:cNvPr id="35" name="Picture 34" descr="latex-image-1.pdf"/>
-          <p:cNvPicPr>
-            <a:picLocks noChangeAspect="1"/>
-          </p:cNvPicPr>
-          <p:nvPr/>
-        </p:nvPicPr>
-        <p:blipFill>
-          <a:blip r:embed="rId9">
-            <a:extLst>
-              <a:ext uri="{28A0092B-C50C-407E-A947-70E740481C1C}">
-                <a14:useLocalDpi xmlns:a14="http://schemas.microsoft.com/office/drawing/2010/main" val="0"/>
-              </a:ext>
-            </a:extLst>
-          </a:blip>
-          <a:stretch>
-            <a:fillRect/>
-          </a:stretch>
-        </p:blipFill>
-        <p:spPr>
-          <a:xfrm>
-            <a:off x="3224543" y="2943930"/>
-            <a:ext cx="241300" cy="190500"/>
-          </a:xfrm>
-          <a:prstGeom prst="rect">
-            <a:avLst/>
-          </a:prstGeom>
-        </p:spPr>
-      </p:pic>
+        </p:grpSpPr>
+        <p:sp>
+          <p:nvSpPr>
+            <p:cNvPr id="5" name="TextBox 4"/>
+            <p:cNvSpPr txBox="1"/>
+            <p:nvPr/>
+          </p:nvSpPr>
+          <p:spPr>
+            <a:xfrm>
+              <a:off x="1596968" y="1054156"/>
+              <a:ext cx="1339998" cy="276999"/>
+            </a:xfrm>
+            <a:prstGeom prst="rect">
+              <a:avLst/>
+            </a:prstGeom>
+            <a:noFill/>
+            <a:ln>
+              <a:solidFill>
+                <a:schemeClr val="tx1"/>
+              </a:solidFill>
+            </a:ln>
+          </p:spPr>
+          <p:txBody>
+            <a:bodyPr wrap="square" rtlCol="0">
+              <a:spAutoFit/>
+            </a:bodyPr>
+            <a:lstStyle/>
+            <a:p>
+              <a:pPr algn="ctr"/>
+              <a:r>
+                <a:rPr lang="en-US" sz="1200" dirty="0" smtClean="0">
+                  <a:latin typeface="Arial"/>
+                  <a:cs typeface="Arial"/>
+                </a:rPr>
+                <a:t>Sensor 1</a:t>
+              </a:r>
+            </a:p>
+          </p:txBody>
+        </p:sp>
+        <p:cxnSp>
+          <p:nvCxnSpPr>
+            <p:cNvPr id="9" name="Straight Connector 8"/>
+            <p:cNvCxnSpPr/>
+            <p:nvPr/>
+          </p:nvCxnSpPr>
+          <p:spPr>
+            <a:xfrm flipH="1">
+              <a:off x="2266967" y="2436012"/>
+              <a:ext cx="14247" cy="459040"/>
+            </a:xfrm>
+            <a:prstGeom prst="line">
+              <a:avLst/>
+            </a:prstGeom>
+            <a:ln>
+              <a:solidFill>
+                <a:srgbClr val="000000"/>
+              </a:solidFill>
+              <a:prstDash val="dash"/>
+              <a:headEnd type="none"/>
+              <a:tailEnd type="triangle"/>
+            </a:ln>
+          </p:spPr>
+          <p:style>
+            <a:lnRef idx="2">
+              <a:schemeClr val="accent1"/>
+            </a:lnRef>
+            <a:fillRef idx="0">
+              <a:schemeClr val="accent1"/>
+            </a:fillRef>
+            <a:effectRef idx="1">
+              <a:schemeClr val="accent1"/>
+            </a:effectRef>
+            <a:fontRef idx="minor">
+              <a:schemeClr val="tx1"/>
+            </a:fontRef>
+          </p:style>
+        </p:cxnSp>
+        <p:cxnSp>
+          <p:nvCxnSpPr>
+            <p:cNvPr id="12" name="Straight Connector 11"/>
+            <p:cNvCxnSpPr>
+              <a:endCxn id="5" idx="1"/>
+            </p:cNvCxnSpPr>
+            <p:nvPr/>
+          </p:nvCxnSpPr>
+          <p:spPr>
+            <a:xfrm>
+              <a:off x="1009228" y="1192655"/>
+              <a:ext cx="587740" cy="1"/>
+            </a:xfrm>
+            <a:prstGeom prst="line">
+              <a:avLst/>
+            </a:prstGeom>
+            <a:ln w="19050" cmpd="sng">
+              <a:solidFill>
+                <a:srgbClr val="000000"/>
+              </a:solidFill>
+              <a:headEnd type="none"/>
+              <a:tailEnd type="triangle"/>
+            </a:ln>
+          </p:spPr>
+          <p:style>
+            <a:lnRef idx="2">
+              <a:schemeClr val="accent1"/>
+            </a:lnRef>
+            <a:fillRef idx="0">
+              <a:schemeClr val="accent1"/>
+            </a:fillRef>
+            <a:effectRef idx="1">
+              <a:schemeClr val="accent1"/>
+            </a:effectRef>
+            <a:fontRef idx="minor">
+              <a:schemeClr val="tx1"/>
+            </a:fontRef>
+          </p:style>
+        </p:cxnSp>
+        <p:cxnSp>
+          <p:nvCxnSpPr>
+            <p:cNvPr id="44" name="Straight Arrow Connector 43"/>
+            <p:cNvCxnSpPr>
+              <a:stCxn id="5" idx="3"/>
+            </p:cNvCxnSpPr>
+            <p:nvPr/>
+          </p:nvCxnSpPr>
+          <p:spPr>
+            <a:xfrm flipV="1">
+              <a:off x="2936966" y="1192655"/>
+              <a:ext cx="273721" cy="1"/>
+            </a:xfrm>
+            <a:prstGeom prst="straightConnector1">
+              <a:avLst/>
+            </a:prstGeom>
+            <a:ln>
+              <a:solidFill>
+                <a:srgbClr val="000000"/>
+              </a:solidFill>
+              <a:headEnd type="none"/>
+              <a:tailEnd type="triangle"/>
+            </a:ln>
+          </p:spPr>
+          <p:style>
+            <a:lnRef idx="2">
+              <a:schemeClr val="accent1"/>
+            </a:lnRef>
+            <a:fillRef idx="0">
+              <a:schemeClr val="accent1"/>
+            </a:fillRef>
+            <a:effectRef idx="1">
+              <a:schemeClr val="accent1"/>
+            </a:effectRef>
+            <a:fontRef idx="minor">
+              <a:schemeClr val="tx1"/>
+            </a:fontRef>
+          </p:style>
+        </p:cxnSp>
+        <p:sp>
+          <p:nvSpPr>
+            <p:cNvPr id="43" name="TextBox 42"/>
+            <p:cNvSpPr txBox="1"/>
+            <p:nvPr/>
+          </p:nvSpPr>
+          <p:spPr>
+            <a:xfrm>
+              <a:off x="1596968" y="1605875"/>
+              <a:ext cx="1339998" cy="276999"/>
+            </a:xfrm>
+            <a:prstGeom prst="rect">
+              <a:avLst/>
+            </a:prstGeom>
+            <a:noFill/>
+            <a:ln>
+              <a:solidFill>
+                <a:schemeClr val="tx1"/>
+              </a:solidFill>
+            </a:ln>
+          </p:spPr>
+          <p:txBody>
+            <a:bodyPr wrap="square" rtlCol="0">
+              <a:spAutoFit/>
+            </a:bodyPr>
+            <a:lstStyle/>
+            <a:p>
+              <a:pPr algn="ctr"/>
+              <a:r>
+                <a:rPr lang="en-US" sz="1200" dirty="0" smtClean="0">
+                  <a:latin typeface="Arial"/>
+                  <a:cs typeface="Arial"/>
+                </a:rPr>
+                <a:t>Sensor </a:t>
+              </a:r>
+              <a:r>
+                <a:rPr lang="en-US" sz="1200" dirty="0">
+                  <a:latin typeface="Arial"/>
+                  <a:cs typeface="Arial"/>
+                </a:rPr>
+                <a:t>2</a:t>
+              </a:r>
+              <a:endParaRPr lang="en-US" sz="1200" dirty="0" smtClean="0">
+                <a:latin typeface="Arial"/>
+                <a:cs typeface="Arial"/>
+              </a:endParaRPr>
+            </a:p>
+          </p:txBody>
+        </p:sp>
+        <p:sp>
+          <p:nvSpPr>
+            <p:cNvPr id="47" name="TextBox 46"/>
+            <p:cNvSpPr txBox="1"/>
+            <p:nvPr/>
+          </p:nvSpPr>
+          <p:spPr>
+            <a:xfrm>
+              <a:off x="1601948" y="2117243"/>
+              <a:ext cx="1339998" cy="276999"/>
+            </a:xfrm>
+            <a:prstGeom prst="rect">
+              <a:avLst/>
+            </a:prstGeom>
+            <a:noFill/>
+            <a:ln>
+              <a:solidFill>
+                <a:schemeClr val="tx1"/>
+              </a:solidFill>
+            </a:ln>
+          </p:spPr>
+          <p:txBody>
+            <a:bodyPr wrap="square" rtlCol="0">
+              <a:spAutoFit/>
+            </a:bodyPr>
+            <a:lstStyle/>
+            <a:p>
+              <a:pPr algn="ctr"/>
+              <a:r>
+                <a:rPr lang="en-US" sz="1200" dirty="0" smtClean="0">
+                  <a:latin typeface="Arial"/>
+                  <a:cs typeface="Arial"/>
+                </a:rPr>
+                <a:t>Sensor </a:t>
+              </a:r>
+              <a:r>
+                <a:rPr lang="en-US" sz="1200" dirty="0">
+                  <a:latin typeface="Arial"/>
+                  <a:cs typeface="Arial"/>
+                </a:rPr>
+                <a:t>3</a:t>
+              </a:r>
+              <a:endParaRPr lang="en-US" sz="1200" dirty="0" smtClean="0">
+                <a:latin typeface="Arial"/>
+                <a:cs typeface="Arial"/>
+              </a:endParaRPr>
+            </a:p>
+          </p:txBody>
+        </p:sp>
+        <p:sp>
+          <p:nvSpPr>
+            <p:cNvPr id="48" name="TextBox 47"/>
+            <p:cNvSpPr txBox="1"/>
+            <p:nvPr/>
+          </p:nvSpPr>
+          <p:spPr>
+            <a:xfrm>
+              <a:off x="1608308" y="2895052"/>
+              <a:ext cx="1339998" cy="276999"/>
+            </a:xfrm>
+            <a:prstGeom prst="rect">
+              <a:avLst/>
+            </a:prstGeom>
+            <a:noFill/>
+            <a:ln>
+              <a:solidFill>
+                <a:schemeClr val="tx1"/>
+              </a:solidFill>
+            </a:ln>
+          </p:spPr>
+          <p:txBody>
+            <a:bodyPr wrap="square" rtlCol="0">
+              <a:spAutoFit/>
+            </a:bodyPr>
+            <a:lstStyle/>
+            <a:p>
+              <a:pPr algn="ctr"/>
+              <a:r>
+                <a:rPr lang="en-US" sz="1200" dirty="0" smtClean="0">
+                  <a:latin typeface="Arial"/>
+                  <a:cs typeface="Arial"/>
+                </a:rPr>
+                <a:t>Sensor </a:t>
+              </a:r>
+              <a:r>
+                <a:rPr lang="en-US" sz="1200" dirty="0">
+                  <a:latin typeface="Arial"/>
+                  <a:cs typeface="Arial"/>
+                </a:rPr>
+                <a:t>K</a:t>
+              </a:r>
+              <a:endParaRPr lang="en-US" sz="1200" dirty="0" smtClean="0">
+                <a:latin typeface="Arial"/>
+                <a:cs typeface="Arial"/>
+              </a:endParaRPr>
+            </a:p>
+          </p:txBody>
+        </p:sp>
+        <p:cxnSp>
+          <p:nvCxnSpPr>
+            <p:cNvPr id="50" name="Straight Arrow Connector 49"/>
+            <p:cNvCxnSpPr/>
+            <p:nvPr/>
+          </p:nvCxnSpPr>
+          <p:spPr>
+            <a:xfrm flipV="1">
+              <a:off x="2932177" y="1741963"/>
+              <a:ext cx="273721" cy="1"/>
+            </a:xfrm>
+            <a:prstGeom prst="straightConnector1">
+              <a:avLst/>
+            </a:prstGeom>
+            <a:ln>
+              <a:solidFill>
+                <a:srgbClr val="000000"/>
+              </a:solidFill>
+              <a:headEnd type="none"/>
+              <a:tailEnd type="triangle"/>
+            </a:ln>
+          </p:spPr>
+          <p:style>
+            <a:lnRef idx="2">
+              <a:schemeClr val="accent1"/>
+            </a:lnRef>
+            <a:fillRef idx="0">
+              <a:schemeClr val="accent1"/>
+            </a:fillRef>
+            <a:effectRef idx="1">
+              <a:schemeClr val="accent1"/>
+            </a:effectRef>
+            <a:fontRef idx="minor">
+              <a:schemeClr val="tx1"/>
+            </a:fontRef>
+          </p:style>
+        </p:cxnSp>
+        <p:cxnSp>
+          <p:nvCxnSpPr>
+            <p:cNvPr id="52" name="Straight Arrow Connector 51"/>
+            <p:cNvCxnSpPr/>
+            <p:nvPr/>
+          </p:nvCxnSpPr>
+          <p:spPr>
+            <a:xfrm flipV="1">
+              <a:off x="2943517" y="2230567"/>
+              <a:ext cx="273721" cy="1"/>
+            </a:xfrm>
+            <a:prstGeom prst="straightConnector1">
+              <a:avLst/>
+            </a:prstGeom>
+            <a:ln>
+              <a:solidFill>
+                <a:srgbClr val="000000"/>
+              </a:solidFill>
+              <a:headEnd type="none"/>
+              <a:tailEnd type="triangle"/>
+            </a:ln>
+          </p:spPr>
+          <p:style>
+            <a:lnRef idx="2">
+              <a:schemeClr val="accent1"/>
+            </a:lnRef>
+            <a:fillRef idx="0">
+              <a:schemeClr val="accent1"/>
+            </a:fillRef>
+            <a:effectRef idx="1">
+              <a:schemeClr val="accent1"/>
+            </a:effectRef>
+            <a:fontRef idx="minor">
+              <a:schemeClr val="tx1"/>
+            </a:fontRef>
+          </p:style>
+        </p:cxnSp>
+        <p:cxnSp>
+          <p:nvCxnSpPr>
+            <p:cNvPr id="53" name="Straight Arrow Connector 52"/>
+            <p:cNvCxnSpPr/>
+            <p:nvPr/>
+          </p:nvCxnSpPr>
+          <p:spPr>
+            <a:xfrm flipV="1">
+              <a:off x="2940299" y="3046089"/>
+              <a:ext cx="273721" cy="1"/>
+            </a:xfrm>
+            <a:prstGeom prst="straightConnector1">
+              <a:avLst/>
+            </a:prstGeom>
+            <a:ln>
+              <a:solidFill>
+                <a:srgbClr val="000000"/>
+              </a:solidFill>
+              <a:headEnd type="none"/>
+              <a:tailEnd type="triangle"/>
+            </a:ln>
+          </p:spPr>
+          <p:style>
+            <a:lnRef idx="2">
+              <a:schemeClr val="accent1"/>
+            </a:lnRef>
+            <a:fillRef idx="0">
+              <a:schemeClr val="accent1"/>
+            </a:fillRef>
+            <a:effectRef idx="1">
+              <a:schemeClr val="accent1"/>
+            </a:effectRef>
+            <a:fontRef idx="minor">
+              <a:schemeClr val="tx1"/>
+            </a:fontRef>
+          </p:style>
+        </p:cxnSp>
+        <p:pic>
+          <p:nvPicPr>
+            <p:cNvPr id="24" name="Picture 23" descr="latex-image-1.pdf"/>
+            <p:cNvPicPr>
+              <a:picLocks noChangeAspect="1"/>
+            </p:cNvPicPr>
+            <p:nvPr/>
+          </p:nvPicPr>
+          <p:blipFill>
+            <a:blip r:embed="rId3">
+              <a:extLst>
+                <a:ext uri="{28A0092B-C50C-407E-A947-70E740481C1C}">
+                  <a14:useLocalDpi xmlns:a14="http://schemas.microsoft.com/office/drawing/2010/main" val="0"/>
+                </a:ext>
+              </a:extLst>
+            </a:blip>
+            <a:stretch>
+              <a:fillRect/>
+            </a:stretch>
+          </p:blipFill>
+          <p:spPr>
+            <a:xfrm>
+              <a:off x="2340500" y="1434780"/>
+              <a:ext cx="127000" cy="101600"/>
+            </a:xfrm>
+            <a:prstGeom prst="rect">
+              <a:avLst/>
+            </a:prstGeom>
+          </p:spPr>
+        </p:pic>
+        <p:pic>
+          <p:nvPicPr>
+            <p:cNvPr id="25" name="Picture 24" descr="latex-image-1.pdf"/>
+            <p:cNvPicPr>
+              <a:picLocks noChangeAspect="1"/>
+            </p:cNvPicPr>
+            <p:nvPr/>
+          </p:nvPicPr>
+          <p:blipFill>
+            <a:blip r:embed="rId4">
+              <a:extLst>
+                <a:ext uri="{28A0092B-C50C-407E-A947-70E740481C1C}">
+                  <a14:useLocalDpi xmlns:a14="http://schemas.microsoft.com/office/drawing/2010/main" val="0"/>
+                </a:ext>
+              </a:extLst>
+            </a:blip>
+            <a:stretch>
+              <a:fillRect/>
+            </a:stretch>
+          </p:blipFill>
+          <p:spPr>
+            <a:xfrm>
+              <a:off x="2351840" y="886935"/>
+              <a:ext cx="127000" cy="101600"/>
+            </a:xfrm>
+            <a:prstGeom prst="rect">
+              <a:avLst/>
+            </a:prstGeom>
+          </p:spPr>
+        </p:pic>
+        <p:cxnSp>
+          <p:nvCxnSpPr>
+            <p:cNvPr id="27" name="Straight Arrow Connector 26"/>
+            <p:cNvCxnSpPr>
+              <a:stCxn id="5" idx="2"/>
+              <a:endCxn id="43" idx="0"/>
+            </p:cNvCxnSpPr>
+            <p:nvPr/>
+          </p:nvCxnSpPr>
+          <p:spPr>
+            <a:xfrm>
+              <a:off x="2266967" y="1331155"/>
+              <a:ext cx="0" cy="274720"/>
+            </a:xfrm>
+            <a:prstGeom prst="straightConnector1">
+              <a:avLst/>
+            </a:prstGeom>
+            <a:ln>
+              <a:solidFill>
+                <a:schemeClr val="tx1"/>
+              </a:solidFill>
+              <a:headEnd type="none"/>
+              <a:tailEnd type="triangle"/>
+            </a:ln>
+          </p:spPr>
+          <p:style>
+            <a:lnRef idx="2">
+              <a:schemeClr val="accent1"/>
+            </a:lnRef>
+            <a:fillRef idx="0">
+              <a:schemeClr val="accent1"/>
+            </a:fillRef>
+            <a:effectRef idx="1">
+              <a:schemeClr val="accent1"/>
+            </a:effectRef>
+            <a:fontRef idx="minor">
+              <a:schemeClr val="tx1"/>
+            </a:fontRef>
+          </p:style>
+        </p:cxnSp>
+        <p:cxnSp>
+          <p:nvCxnSpPr>
+            <p:cNvPr id="65" name="Straight Arrow Connector 64"/>
+            <p:cNvCxnSpPr>
+              <a:stCxn id="43" idx="2"/>
+            </p:cNvCxnSpPr>
+            <p:nvPr/>
+          </p:nvCxnSpPr>
+          <p:spPr>
+            <a:xfrm>
+              <a:off x="2266967" y="1882874"/>
+              <a:ext cx="0" cy="234369"/>
+            </a:xfrm>
+            <a:prstGeom prst="straightConnector1">
+              <a:avLst/>
+            </a:prstGeom>
+            <a:ln>
+              <a:solidFill>
+                <a:schemeClr val="tx1"/>
+              </a:solidFill>
+              <a:headEnd type="none"/>
+              <a:tailEnd type="triangle"/>
+            </a:ln>
+          </p:spPr>
+          <p:style>
+            <a:lnRef idx="2">
+              <a:schemeClr val="accent1"/>
+            </a:lnRef>
+            <a:fillRef idx="0">
+              <a:schemeClr val="accent1"/>
+            </a:fillRef>
+            <a:effectRef idx="1">
+              <a:schemeClr val="accent1"/>
+            </a:effectRef>
+            <a:fontRef idx="minor">
+              <a:schemeClr val="tx1"/>
+            </a:fontRef>
+          </p:style>
+        </p:cxnSp>
+        <p:pic>
+          <p:nvPicPr>
+            <p:cNvPr id="30" name="Picture 29" descr="latex-image-1.pdf"/>
+            <p:cNvPicPr>
+              <a:picLocks noChangeAspect="1"/>
+            </p:cNvPicPr>
+            <p:nvPr/>
+          </p:nvPicPr>
+          <p:blipFill>
+            <a:blip r:embed="rId2">
+              <a:extLst>
+                <a:ext uri="{28A0092B-C50C-407E-A947-70E740481C1C}">
+                  <a14:useLocalDpi xmlns:a14="http://schemas.microsoft.com/office/drawing/2010/main" val="0"/>
+                </a:ext>
+              </a:extLst>
+            </a:blip>
+            <a:stretch>
+              <a:fillRect/>
+            </a:stretch>
+          </p:blipFill>
+          <p:spPr>
+            <a:xfrm>
+              <a:off x="769283" y="1122805"/>
+              <a:ext cx="139700" cy="139700"/>
+            </a:xfrm>
+            <a:prstGeom prst="rect">
+              <a:avLst/>
+            </a:prstGeom>
+          </p:spPr>
+        </p:pic>
+        <p:cxnSp>
+          <p:nvCxnSpPr>
+            <p:cNvPr id="66" name="Straight Connector 65"/>
+            <p:cNvCxnSpPr/>
+            <p:nvPr/>
+          </p:nvCxnSpPr>
+          <p:spPr>
+            <a:xfrm>
+              <a:off x="1224680" y="1748865"/>
+              <a:ext cx="372288" cy="1"/>
+            </a:xfrm>
+            <a:prstGeom prst="line">
+              <a:avLst/>
+            </a:prstGeom>
+            <a:ln w="19050" cmpd="sng">
+              <a:solidFill>
+                <a:srgbClr val="000000"/>
+              </a:solidFill>
+              <a:headEnd type="none"/>
+              <a:tailEnd type="triangle"/>
+            </a:ln>
+          </p:spPr>
+          <p:style>
+            <a:lnRef idx="2">
+              <a:schemeClr val="accent1"/>
+            </a:lnRef>
+            <a:fillRef idx="0">
+              <a:schemeClr val="accent1"/>
+            </a:fillRef>
+            <a:effectRef idx="1">
+              <a:schemeClr val="accent1"/>
+            </a:effectRef>
+            <a:fontRef idx="minor">
+              <a:schemeClr val="tx1"/>
+            </a:fontRef>
+          </p:style>
+        </p:cxnSp>
+        <p:cxnSp>
+          <p:nvCxnSpPr>
+            <p:cNvPr id="68" name="Straight Connector 67"/>
+            <p:cNvCxnSpPr/>
+            <p:nvPr/>
+          </p:nvCxnSpPr>
+          <p:spPr>
+            <a:xfrm>
+              <a:off x="1224680" y="2231099"/>
+              <a:ext cx="372288" cy="1"/>
+            </a:xfrm>
+            <a:prstGeom prst="line">
+              <a:avLst/>
+            </a:prstGeom>
+            <a:ln w="19050" cmpd="sng">
+              <a:solidFill>
+                <a:srgbClr val="000000"/>
+              </a:solidFill>
+              <a:headEnd type="none"/>
+              <a:tailEnd type="triangle"/>
+            </a:ln>
+          </p:spPr>
+          <p:style>
+            <a:lnRef idx="2">
+              <a:schemeClr val="accent1"/>
+            </a:lnRef>
+            <a:fillRef idx="0">
+              <a:schemeClr val="accent1"/>
+            </a:fillRef>
+            <a:effectRef idx="1">
+              <a:schemeClr val="accent1"/>
+            </a:effectRef>
+            <a:fontRef idx="minor">
+              <a:schemeClr val="tx1"/>
+            </a:fontRef>
+          </p:style>
+        </p:cxnSp>
+        <p:cxnSp>
+          <p:nvCxnSpPr>
+            <p:cNvPr id="70" name="Straight Connector 69"/>
+            <p:cNvCxnSpPr/>
+            <p:nvPr/>
+          </p:nvCxnSpPr>
+          <p:spPr>
+            <a:xfrm>
+              <a:off x="1231231" y="3028907"/>
+              <a:ext cx="372288" cy="1"/>
+            </a:xfrm>
+            <a:prstGeom prst="line">
+              <a:avLst/>
+            </a:prstGeom>
+            <a:ln w="19050" cmpd="sng">
+              <a:solidFill>
+                <a:srgbClr val="000000"/>
+              </a:solidFill>
+              <a:headEnd type="none"/>
+              <a:tailEnd type="triangle"/>
+            </a:ln>
+          </p:spPr>
+          <p:style>
+            <a:lnRef idx="2">
+              <a:schemeClr val="accent1"/>
+            </a:lnRef>
+            <a:fillRef idx="0">
+              <a:schemeClr val="accent1"/>
+            </a:fillRef>
+            <a:effectRef idx="1">
+              <a:schemeClr val="accent1"/>
+            </a:effectRef>
+            <a:fontRef idx="minor">
+              <a:schemeClr val="tx1"/>
+            </a:fontRef>
+          </p:style>
+        </p:cxnSp>
+        <p:pic>
+          <p:nvPicPr>
+            <p:cNvPr id="31" name="Picture 30" descr="latex-image-1.pdf"/>
+            <p:cNvPicPr>
+              <a:picLocks noChangeAspect="1"/>
+            </p:cNvPicPr>
+            <p:nvPr/>
+          </p:nvPicPr>
+          <p:blipFill>
+            <a:blip r:embed="rId5">
+              <a:extLst>
+                <a:ext uri="{28A0092B-C50C-407E-A947-70E740481C1C}">
+                  <a14:useLocalDpi xmlns:a14="http://schemas.microsoft.com/office/drawing/2010/main" val="0"/>
+                </a:ext>
+              </a:extLst>
+            </a:blip>
+            <a:stretch>
+              <a:fillRect/>
+            </a:stretch>
+          </p:blipFill>
+          <p:spPr>
+            <a:xfrm>
+              <a:off x="3246314" y="1084133"/>
+              <a:ext cx="152400" cy="190500"/>
+            </a:xfrm>
+            <a:prstGeom prst="rect">
+              <a:avLst/>
+            </a:prstGeom>
+          </p:spPr>
+        </p:pic>
+        <p:pic>
+          <p:nvPicPr>
+            <p:cNvPr id="33" name="Picture 32" descr="latex-image-1.pdf"/>
+            <p:cNvPicPr>
+              <a:picLocks noChangeAspect="1"/>
+            </p:cNvPicPr>
+            <p:nvPr/>
+          </p:nvPicPr>
+          <p:blipFill>
+            <a:blip r:embed="rId6">
+              <a:extLst>
+                <a:ext uri="{28A0092B-C50C-407E-A947-70E740481C1C}">
+                  <a14:useLocalDpi xmlns:a14="http://schemas.microsoft.com/office/drawing/2010/main" val="0"/>
+                </a:ext>
+              </a:extLst>
+            </a:blip>
+            <a:stretch>
+              <a:fillRect/>
+            </a:stretch>
+          </p:blipFill>
+          <p:spPr>
+            <a:xfrm>
+              <a:off x="3249943" y="1639804"/>
+              <a:ext cx="190500" cy="190500"/>
+            </a:xfrm>
+            <a:prstGeom prst="rect">
+              <a:avLst/>
+            </a:prstGeom>
+          </p:spPr>
+        </p:pic>
+        <p:pic>
+          <p:nvPicPr>
+            <p:cNvPr id="34" name="Picture 33" descr="latex-image-1.pdf"/>
+            <p:cNvPicPr>
+              <a:picLocks noChangeAspect="1"/>
+            </p:cNvPicPr>
+            <p:nvPr/>
+          </p:nvPicPr>
+          <p:blipFill>
+            <a:blip r:embed="rId7">
+              <a:extLst>
+                <a:ext uri="{28A0092B-C50C-407E-A947-70E740481C1C}">
+                  <a14:useLocalDpi xmlns:a14="http://schemas.microsoft.com/office/drawing/2010/main" val="0"/>
+                </a:ext>
+              </a:extLst>
+            </a:blip>
+            <a:stretch>
+              <a:fillRect/>
+            </a:stretch>
+          </p:blipFill>
+          <p:spPr>
+            <a:xfrm>
+              <a:off x="3238603" y="2127434"/>
+              <a:ext cx="190500" cy="190500"/>
+            </a:xfrm>
+            <a:prstGeom prst="rect">
+              <a:avLst/>
+            </a:prstGeom>
+          </p:spPr>
+        </p:pic>
+        <p:pic>
+          <p:nvPicPr>
+            <p:cNvPr id="35" name="Picture 34" descr="latex-image-1.pdf"/>
+            <p:cNvPicPr>
+              <a:picLocks noChangeAspect="1"/>
+            </p:cNvPicPr>
+            <p:nvPr/>
+          </p:nvPicPr>
+          <p:blipFill>
+            <a:blip r:embed="rId8">
+              <a:extLst>
+                <a:ext uri="{28A0092B-C50C-407E-A947-70E740481C1C}">
+                  <a14:useLocalDpi xmlns:a14="http://schemas.microsoft.com/office/drawing/2010/main" val="0"/>
+                </a:ext>
+              </a:extLst>
+            </a:blip>
+            <a:stretch>
+              <a:fillRect/>
+            </a:stretch>
+          </p:blipFill>
+          <p:spPr>
+            <a:xfrm>
+              <a:off x="3224543" y="2943930"/>
+              <a:ext cx="241300" cy="190500"/>
+            </a:xfrm>
+            <a:prstGeom prst="rect">
+              <a:avLst/>
+            </a:prstGeom>
+          </p:spPr>
+        </p:pic>
+        <p:cxnSp>
+          <p:nvCxnSpPr>
+            <p:cNvPr id="7" name="Straight Connector 6"/>
+            <p:cNvCxnSpPr/>
+            <p:nvPr/>
+          </p:nvCxnSpPr>
+          <p:spPr>
+            <a:xfrm flipH="1">
+              <a:off x="1213343" y="1192655"/>
+              <a:ext cx="11340" cy="1853435"/>
+            </a:xfrm>
+            <a:prstGeom prst="line">
+              <a:avLst/>
+            </a:prstGeom>
+            <a:ln>
+              <a:solidFill>
+                <a:srgbClr val="000000"/>
+              </a:solidFill>
+            </a:ln>
+          </p:spPr>
+          <p:style>
+            <a:lnRef idx="2">
+              <a:schemeClr val="accent1"/>
+            </a:lnRef>
+            <a:fillRef idx="0">
+              <a:schemeClr val="accent1"/>
+            </a:fillRef>
+            <a:effectRef idx="1">
+              <a:schemeClr val="accent1"/>
+            </a:effectRef>
+            <a:fontRef idx="minor">
+              <a:schemeClr val="tx1"/>
+            </a:fontRef>
+          </p:style>
+        </p:cxnSp>
+        <p:cxnSp>
+          <p:nvCxnSpPr>
+            <p:cNvPr id="46" name="Straight Arrow Connector 45"/>
+            <p:cNvCxnSpPr/>
+            <p:nvPr/>
+          </p:nvCxnSpPr>
+          <p:spPr>
+            <a:xfrm>
+              <a:off x="2259652" y="779436"/>
+              <a:ext cx="0" cy="274720"/>
+            </a:xfrm>
+            <a:prstGeom prst="straightConnector1">
+              <a:avLst/>
+            </a:prstGeom>
+            <a:ln>
+              <a:solidFill>
+                <a:schemeClr val="tx1"/>
+              </a:solidFill>
+              <a:headEnd type="none"/>
+              <a:tailEnd type="triangle"/>
+            </a:ln>
+          </p:spPr>
+          <p:style>
+            <a:lnRef idx="2">
+              <a:schemeClr val="accent1"/>
+            </a:lnRef>
+            <a:fillRef idx="0">
+              <a:schemeClr val="accent1"/>
+            </a:fillRef>
+            <a:effectRef idx="1">
+              <a:schemeClr val="accent1"/>
+            </a:effectRef>
+            <a:fontRef idx="minor">
+              <a:schemeClr val="tx1"/>
+            </a:fontRef>
+          </p:style>
+        </p:cxnSp>
+        <p:pic>
+          <p:nvPicPr>
+            <p:cNvPr id="8" name="Picture 7" descr="latex-image-1.pdf"/>
+            <p:cNvPicPr>
+              <a:picLocks noChangeAspect="1"/>
+            </p:cNvPicPr>
+            <p:nvPr/>
+          </p:nvPicPr>
+          <p:blipFill>
+            <a:blip r:embed="rId9">
+              <a:extLst>
+                <a:ext uri="{28A0092B-C50C-407E-A947-70E740481C1C}">
+                  <a14:useLocalDpi xmlns:a14="http://schemas.microsoft.com/office/drawing/2010/main" val="0"/>
+                </a:ext>
+              </a:extLst>
+            </a:blip>
+            <a:stretch>
+              <a:fillRect/>
+            </a:stretch>
+          </p:blipFill>
+          <p:spPr>
+            <a:xfrm>
+              <a:off x="2337783" y="2738895"/>
+              <a:ext cx="177800" cy="101600"/>
+            </a:xfrm>
+            <a:prstGeom prst="rect">
+              <a:avLst/>
+            </a:prstGeom>
+          </p:spPr>
+        </p:pic>
+      </p:grpSp>
     </p:spTree>
     <p:extLst>
       <p:ext uri="{BB962C8B-B14F-4D97-AF65-F5344CB8AC3E}">
